--- a/PPT.pptx
+++ b/PPT.pptx
@@ -5,8 +5,10 @@
     <p:sldMasterId id="2147483648" r:id="rId1"/>
   </p:sldMasterIdLst>
   <p:sldIdLst>
-    <p:sldId id="256" r:id="rId2"/>
-    <p:sldId id="257" r:id="rId3"/>
+    <p:sldId id="256" r:id="rId7"/>
+    <p:sldId id="257" r:id="rId8"/>
+    <p:sldId id="258" r:id="rId9"/>
+    <p:sldId id="259" r:id="rId10"/>
   </p:sldIdLst>
   <p:sldSz cx="9144000" cy="6858000" type="screen4x3"/>
   <p:notesSz cx="6858000" cy="9144000"/>
@@ -105,22 +107,6 @@
       </a:defRPr>
     </a:lvl9pPr>
   </p:defaultTextStyle>
-  <p:extLst>
-    <p:ext uri="{EFAFB233-063F-42B5-8137-9DF3F51BA10A}">
-      <p15:sldGuideLst xmlns:p15="http://schemas.microsoft.com/office/powerpoint/2012/main">
-        <p15:guide id="1" orient="horz" pos="2160">
-          <p15:clr>
-            <a:srgbClr val="A4A3A4"/>
-          </p15:clr>
-        </p15:guide>
-        <p15:guide id="2" pos="2880">
-          <p15:clr>
-            <a:srgbClr val="A4A3A4"/>
-          </p15:clr>
-        </p15:guide>
-      </p15:sldGuideLst>
-    </p:ext>
-  </p:extLst>
 </p:presentation>
 </file>
 
@@ -162,9 +148,10 @@
           <a:lstStyle/>
           <a:p>
             <a:r>
-              <a:rPr lang="en-US"/>
+              <a:rPr lang="en-US" smtClean="0"/>
               <a:t>Click to edit Master title style</a:t>
             </a:r>
+            <a:endParaRPr lang="en-US"/>
           </a:p>
         </p:txBody>
       </p:sp>
@@ -280,9 +267,10 @@
           </a:lstStyle>
           <a:p>
             <a:r>
-              <a:rPr lang="en-US"/>
+              <a:rPr lang="en-US" smtClean="0"/>
               <a:t>Click to edit Master subtitle style</a:t>
             </a:r>
+            <a:endParaRPr lang="en-US"/>
           </a:p>
         </p:txBody>
       </p:sp>
@@ -303,7 +291,7 @@
           <a:p>
             <a:fld id="{5BCAD085-E8A6-8845-BD4E-CB4CCA059FC4}" type="datetimeFigureOut">
               <a:rPr lang="en-US" smtClean="0"/>
-              <a:t>5/7/2023</a:t>
+              <a:t>1/27/13</a:t>
             </a:fld>
             <a:endParaRPr lang="en-US"/>
           </a:p>
@@ -397,9 +385,10 @@
           <a:lstStyle/>
           <a:p>
             <a:r>
-              <a:rPr lang="en-US"/>
+              <a:rPr lang="en-US" smtClean="0"/>
               <a:t>Click to edit Master title style</a:t>
             </a:r>
+            <a:endParaRPr lang="en-US"/>
           </a:p>
         </p:txBody>
       </p:sp>
@@ -420,37 +409,38 @@
           <a:p>
             <a:pPr lvl="0"/>
             <a:r>
-              <a:rPr lang="en-US"/>
+              <a:rPr lang="en-US" smtClean="0"/>
               <a:t>Click to edit Master text styles</a:t>
             </a:r>
           </a:p>
           <a:p>
             <a:pPr lvl="1"/>
             <a:r>
-              <a:rPr lang="en-US"/>
+              <a:rPr lang="en-US" smtClean="0"/>
               <a:t>Second level</a:t>
             </a:r>
           </a:p>
           <a:p>
             <a:pPr lvl="2"/>
             <a:r>
-              <a:rPr lang="en-US"/>
+              <a:rPr lang="en-US" smtClean="0"/>
               <a:t>Third level</a:t>
             </a:r>
           </a:p>
           <a:p>
             <a:pPr lvl="3"/>
             <a:r>
-              <a:rPr lang="en-US"/>
+              <a:rPr lang="en-US" smtClean="0"/>
               <a:t>Fourth level</a:t>
             </a:r>
           </a:p>
           <a:p>
             <a:pPr lvl="4"/>
             <a:r>
-              <a:rPr lang="en-US"/>
+              <a:rPr lang="en-US" smtClean="0"/>
               <a:t>Fifth level</a:t>
             </a:r>
+            <a:endParaRPr lang="en-US"/>
           </a:p>
         </p:txBody>
       </p:sp>
@@ -471,7 +461,7 @@
           <a:p>
             <a:fld id="{5BCAD085-E8A6-8845-BD4E-CB4CCA059FC4}" type="datetimeFigureOut">
               <a:rPr lang="en-US" smtClean="0"/>
-              <a:t>5/7/2023</a:t>
+              <a:t>1/27/13</a:t>
             </a:fld>
             <a:endParaRPr lang="en-US"/>
           </a:p>
@@ -570,9 +560,10 @@
           <a:lstStyle/>
           <a:p>
             <a:r>
-              <a:rPr lang="en-US"/>
+              <a:rPr lang="en-US" smtClean="0"/>
               <a:t>Click to edit Master title style</a:t>
             </a:r>
+            <a:endParaRPr lang="en-US"/>
           </a:p>
         </p:txBody>
       </p:sp>
@@ -598,37 +589,38 @@
           <a:p>
             <a:pPr lvl="0"/>
             <a:r>
-              <a:rPr lang="en-US"/>
+              <a:rPr lang="en-US" smtClean="0"/>
               <a:t>Click to edit Master text styles</a:t>
             </a:r>
           </a:p>
           <a:p>
             <a:pPr lvl="1"/>
             <a:r>
-              <a:rPr lang="en-US"/>
+              <a:rPr lang="en-US" smtClean="0"/>
               <a:t>Second level</a:t>
             </a:r>
           </a:p>
           <a:p>
             <a:pPr lvl="2"/>
             <a:r>
-              <a:rPr lang="en-US"/>
+              <a:rPr lang="en-US" smtClean="0"/>
               <a:t>Third level</a:t>
             </a:r>
           </a:p>
           <a:p>
             <a:pPr lvl="3"/>
             <a:r>
-              <a:rPr lang="en-US"/>
+              <a:rPr lang="en-US" smtClean="0"/>
               <a:t>Fourth level</a:t>
             </a:r>
           </a:p>
           <a:p>
             <a:pPr lvl="4"/>
             <a:r>
-              <a:rPr lang="en-US"/>
+              <a:rPr lang="en-US" smtClean="0"/>
               <a:t>Fifth level</a:t>
             </a:r>
+            <a:endParaRPr lang="en-US"/>
           </a:p>
         </p:txBody>
       </p:sp>
@@ -649,7 +641,7 @@
           <a:p>
             <a:fld id="{5BCAD085-E8A6-8845-BD4E-CB4CCA059FC4}" type="datetimeFigureOut">
               <a:rPr lang="en-US" smtClean="0"/>
-              <a:t>5/7/2023</a:t>
+              <a:t>1/27/13</a:t>
             </a:fld>
             <a:endParaRPr lang="en-US"/>
           </a:p>
@@ -743,9 +735,10 @@
           <a:lstStyle/>
           <a:p>
             <a:r>
-              <a:rPr lang="en-US"/>
+              <a:rPr lang="en-US" smtClean="0"/>
               <a:t>Click to edit Master title style</a:t>
             </a:r>
+            <a:endParaRPr lang="en-US"/>
           </a:p>
         </p:txBody>
       </p:sp>
@@ -766,37 +759,38 @@
           <a:p>
             <a:pPr lvl="0"/>
             <a:r>
-              <a:rPr lang="en-US"/>
+              <a:rPr lang="en-US" smtClean="0"/>
               <a:t>Click to edit Master text styles</a:t>
             </a:r>
           </a:p>
           <a:p>
             <a:pPr lvl="1"/>
             <a:r>
-              <a:rPr lang="en-US"/>
+              <a:rPr lang="en-US" smtClean="0"/>
               <a:t>Second level</a:t>
             </a:r>
           </a:p>
           <a:p>
             <a:pPr lvl="2"/>
             <a:r>
-              <a:rPr lang="en-US"/>
+              <a:rPr lang="en-US" smtClean="0"/>
               <a:t>Third level</a:t>
             </a:r>
           </a:p>
           <a:p>
             <a:pPr lvl="3"/>
             <a:r>
-              <a:rPr lang="en-US"/>
+              <a:rPr lang="en-US" smtClean="0"/>
               <a:t>Fourth level</a:t>
             </a:r>
           </a:p>
           <a:p>
             <a:pPr lvl="4"/>
             <a:r>
-              <a:rPr lang="en-US"/>
+              <a:rPr lang="en-US" smtClean="0"/>
               <a:t>Fifth level</a:t>
             </a:r>
+            <a:endParaRPr lang="en-US"/>
           </a:p>
         </p:txBody>
       </p:sp>
@@ -817,7 +811,7 @@
           <a:p>
             <a:fld id="{5BCAD085-E8A6-8845-BD4E-CB4CCA059FC4}" type="datetimeFigureOut">
               <a:rPr lang="en-US" smtClean="0"/>
-              <a:t>5/7/2023</a:t>
+              <a:t>1/27/13</a:t>
             </a:fld>
             <a:endParaRPr lang="en-US"/>
           </a:p>
@@ -920,9 +914,10 @@
           </a:lstStyle>
           <a:p>
             <a:r>
-              <a:rPr lang="en-US"/>
+              <a:rPr lang="en-US" smtClean="0"/>
               <a:t>Click to edit Master title style</a:t>
             </a:r>
+            <a:endParaRPr lang="en-US"/>
           </a:p>
         </p:txBody>
       </p:sp>
@@ -1039,7 +1034,7 @@
           <a:p>
             <a:pPr lvl="0"/>
             <a:r>
-              <a:rPr lang="en-US"/>
+              <a:rPr lang="en-US" smtClean="0"/>
               <a:t>Click to edit Master text styles</a:t>
             </a:r>
           </a:p>
@@ -1062,7 +1057,7 @@
           <a:p>
             <a:fld id="{5BCAD085-E8A6-8845-BD4E-CB4CCA059FC4}" type="datetimeFigureOut">
               <a:rPr lang="en-US" smtClean="0"/>
-              <a:t>5/7/2023</a:t>
+              <a:t>1/27/13</a:t>
             </a:fld>
             <a:endParaRPr lang="en-US"/>
           </a:p>
@@ -1156,9 +1151,10 @@
           <a:lstStyle/>
           <a:p>
             <a:r>
-              <a:rPr lang="en-US"/>
+              <a:rPr lang="en-US" smtClean="0"/>
               <a:t>Click to edit Master title style</a:t>
             </a:r>
+            <a:endParaRPr lang="en-US"/>
           </a:p>
         </p:txBody>
       </p:sp>
@@ -1212,37 +1208,38 @@
           <a:p>
             <a:pPr lvl="0"/>
             <a:r>
-              <a:rPr lang="en-US"/>
+              <a:rPr lang="en-US" smtClean="0"/>
               <a:t>Click to edit Master text styles</a:t>
             </a:r>
           </a:p>
           <a:p>
             <a:pPr lvl="1"/>
             <a:r>
-              <a:rPr lang="en-US"/>
+              <a:rPr lang="en-US" smtClean="0"/>
               <a:t>Second level</a:t>
             </a:r>
           </a:p>
           <a:p>
             <a:pPr lvl="2"/>
             <a:r>
-              <a:rPr lang="en-US"/>
+              <a:rPr lang="en-US" smtClean="0"/>
               <a:t>Third level</a:t>
             </a:r>
           </a:p>
           <a:p>
             <a:pPr lvl="3"/>
             <a:r>
-              <a:rPr lang="en-US"/>
+              <a:rPr lang="en-US" smtClean="0"/>
               <a:t>Fourth level</a:t>
             </a:r>
           </a:p>
           <a:p>
             <a:pPr lvl="4"/>
             <a:r>
-              <a:rPr lang="en-US"/>
+              <a:rPr lang="en-US" smtClean="0"/>
               <a:t>Fifth level</a:t>
             </a:r>
+            <a:endParaRPr lang="en-US"/>
           </a:p>
         </p:txBody>
       </p:sp>
@@ -1296,37 +1293,38 @@
           <a:p>
             <a:pPr lvl="0"/>
             <a:r>
-              <a:rPr lang="en-US"/>
+              <a:rPr lang="en-US" smtClean="0"/>
               <a:t>Click to edit Master text styles</a:t>
             </a:r>
           </a:p>
           <a:p>
             <a:pPr lvl="1"/>
             <a:r>
-              <a:rPr lang="en-US"/>
+              <a:rPr lang="en-US" smtClean="0"/>
               <a:t>Second level</a:t>
             </a:r>
           </a:p>
           <a:p>
             <a:pPr lvl="2"/>
             <a:r>
-              <a:rPr lang="en-US"/>
+              <a:rPr lang="en-US" smtClean="0"/>
               <a:t>Third level</a:t>
             </a:r>
           </a:p>
           <a:p>
             <a:pPr lvl="3"/>
             <a:r>
-              <a:rPr lang="en-US"/>
+              <a:rPr lang="en-US" smtClean="0"/>
               <a:t>Fourth level</a:t>
             </a:r>
           </a:p>
           <a:p>
             <a:pPr lvl="4"/>
             <a:r>
-              <a:rPr lang="en-US"/>
+              <a:rPr lang="en-US" smtClean="0"/>
               <a:t>Fifth level</a:t>
             </a:r>
+            <a:endParaRPr lang="en-US"/>
           </a:p>
         </p:txBody>
       </p:sp>
@@ -1347,7 +1345,7 @@
           <a:p>
             <a:fld id="{5BCAD085-E8A6-8845-BD4E-CB4CCA059FC4}" type="datetimeFigureOut">
               <a:rPr lang="en-US" smtClean="0"/>
-              <a:t>5/7/2023</a:t>
+              <a:t>1/27/13</a:t>
             </a:fld>
             <a:endParaRPr lang="en-US"/>
           </a:p>
@@ -1445,9 +1443,10 @@
           </a:lstStyle>
           <a:p>
             <a:r>
-              <a:rPr lang="en-US"/>
+              <a:rPr lang="en-US" smtClean="0"/>
               <a:t>Click to edit Master title style</a:t>
             </a:r>
+            <a:endParaRPr lang="en-US"/>
           </a:p>
         </p:txBody>
       </p:sp>
@@ -1510,7 +1509,7 @@
           <a:p>
             <a:pPr lvl="0"/>
             <a:r>
-              <a:rPr lang="en-US"/>
+              <a:rPr lang="en-US" smtClean="0"/>
               <a:t>Click to edit Master text styles</a:t>
             </a:r>
           </a:p>
@@ -1566,37 +1565,38 @@
           <a:p>
             <a:pPr lvl="0"/>
             <a:r>
-              <a:rPr lang="en-US"/>
+              <a:rPr lang="en-US" smtClean="0"/>
               <a:t>Click to edit Master text styles</a:t>
             </a:r>
           </a:p>
           <a:p>
             <a:pPr lvl="1"/>
             <a:r>
-              <a:rPr lang="en-US"/>
+              <a:rPr lang="en-US" smtClean="0"/>
               <a:t>Second level</a:t>
             </a:r>
           </a:p>
           <a:p>
             <a:pPr lvl="2"/>
             <a:r>
-              <a:rPr lang="en-US"/>
+              <a:rPr lang="en-US" smtClean="0"/>
               <a:t>Third level</a:t>
             </a:r>
           </a:p>
           <a:p>
             <a:pPr lvl="3"/>
             <a:r>
-              <a:rPr lang="en-US"/>
+              <a:rPr lang="en-US" smtClean="0"/>
               <a:t>Fourth level</a:t>
             </a:r>
           </a:p>
           <a:p>
             <a:pPr lvl="4"/>
             <a:r>
-              <a:rPr lang="en-US"/>
+              <a:rPr lang="en-US" smtClean="0"/>
               <a:t>Fifth level</a:t>
             </a:r>
+            <a:endParaRPr lang="en-US"/>
           </a:p>
         </p:txBody>
       </p:sp>
@@ -1659,7 +1659,7 @@
           <a:p>
             <a:pPr lvl="0"/>
             <a:r>
-              <a:rPr lang="en-US"/>
+              <a:rPr lang="en-US" smtClean="0"/>
               <a:t>Click to edit Master text styles</a:t>
             </a:r>
           </a:p>
@@ -1715,37 +1715,38 @@
           <a:p>
             <a:pPr lvl="0"/>
             <a:r>
-              <a:rPr lang="en-US"/>
+              <a:rPr lang="en-US" smtClean="0"/>
               <a:t>Click to edit Master text styles</a:t>
             </a:r>
           </a:p>
           <a:p>
             <a:pPr lvl="1"/>
             <a:r>
-              <a:rPr lang="en-US"/>
+              <a:rPr lang="en-US" smtClean="0"/>
               <a:t>Second level</a:t>
             </a:r>
           </a:p>
           <a:p>
             <a:pPr lvl="2"/>
             <a:r>
-              <a:rPr lang="en-US"/>
+              <a:rPr lang="en-US" smtClean="0"/>
               <a:t>Third level</a:t>
             </a:r>
           </a:p>
           <a:p>
             <a:pPr lvl="3"/>
             <a:r>
-              <a:rPr lang="en-US"/>
+              <a:rPr lang="en-US" smtClean="0"/>
               <a:t>Fourth level</a:t>
             </a:r>
           </a:p>
           <a:p>
             <a:pPr lvl="4"/>
             <a:r>
-              <a:rPr lang="en-US"/>
+              <a:rPr lang="en-US" smtClean="0"/>
               <a:t>Fifth level</a:t>
             </a:r>
+            <a:endParaRPr lang="en-US"/>
           </a:p>
         </p:txBody>
       </p:sp>
@@ -1766,7 +1767,7 @@
           <a:p>
             <a:fld id="{5BCAD085-E8A6-8845-BD4E-CB4CCA059FC4}" type="datetimeFigureOut">
               <a:rPr lang="en-US" smtClean="0"/>
-              <a:t>5/7/2023</a:t>
+              <a:t>1/27/13</a:t>
             </a:fld>
             <a:endParaRPr lang="en-US"/>
           </a:p>
@@ -1860,9 +1861,10 @@
           <a:lstStyle/>
           <a:p>
             <a:r>
-              <a:rPr lang="en-US"/>
+              <a:rPr lang="en-US" smtClean="0"/>
               <a:t>Click to edit Master title style</a:t>
             </a:r>
+            <a:endParaRPr lang="en-US"/>
           </a:p>
         </p:txBody>
       </p:sp>
@@ -1883,7 +1885,7 @@
           <a:p>
             <a:fld id="{5BCAD085-E8A6-8845-BD4E-CB4CCA059FC4}" type="datetimeFigureOut">
               <a:rPr lang="en-US" smtClean="0"/>
-              <a:t>5/7/2023</a:t>
+              <a:t>1/27/13</a:t>
             </a:fld>
             <a:endParaRPr lang="en-US"/>
           </a:p>
@@ -1978,7 +1980,7 @@
           <a:p>
             <a:fld id="{5BCAD085-E8A6-8845-BD4E-CB4CCA059FC4}" type="datetimeFigureOut">
               <a:rPr lang="en-US" smtClean="0"/>
-              <a:t>5/7/2023</a:t>
+              <a:t>1/27/13</a:t>
             </a:fld>
             <a:endParaRPr lang="en-US"/>
           </a:p>
@@ -2081,9 +2083,10 @@
           </a:lstStyle>
           <a:p>
             <a:r>
-              <a:rPr lang="en-US"/>
+              <a:rPr lang="en-US" smtClean="0"/>
               <a:t>Click to edit Master title style</a:t>
             </a:r>
+            <a:endParaRPr lang="en-US"/>
           </a:p>
         </p:txBody>
       </p:sp>
@@ -2137,37 +2140,38 @@
           <a:p>
             <a:pPr lvl="0"/>
             <a:r>
-              <a:rPr lang="en-US"/>
+              <a:rPr lang="en-US" smtClean="0"/>
               <a:t>Click to edit Master text styles</a:t>
             </a:r>
           </a:p>
           <a:p>
             <a:pPr lvl="1"/>
             <a:r>
-              <a:rPr lang="en-US"/>
+              <a:rPr lang="en-US" smtClean="0"/>
               <a:t>Second level</a:t>
             </a:r>
           </a:p>
           <a:p>
             <a:pPr lvl="2"/>
             <a:r>
-              <a:rPr lang="en-US"/>
+              <a:rPr lang="en-US" smtClean="0"/>
               <a:t>Third level</a:t>
             </a:r>
           </a:p>
           <a:p>
             <a:pPr lvl="3"/>
             <a:r>
-              <a:rPr lang="en-US"/>
+              <a:rPr lang="en-US" smtClean="0"/>
               <a:t>Fourth level</a:t>
             </a:r>
           </a:p>
           <a:p>
             <a:pPr lvl="4"/>
             <a:r>
-              <a:rPr lang="en-US"/>
+              <a:rPr lang="en-US" smtClean="0"/>
               <a:t>Fifth level</a:t>
             </a:r>
+            <a:endParaRPr lang="en-US"/>
           </a:p>
         </p:txBody>
       </p:sp>
@@ -2230,7 +2234,7 @@
           <a:p>
             <a:pPr lvl="0"/>
             <a:r>
-              <a:rPr lang="en-US"/>
+              <a:rPr lang="en-US" smtClean="0"/>
               <a:t>Click to edit Master text styles</a:t>
             </a:r>
           </a:p>
@@ -2253,7 +2257,7 @@
           <a:p>
             <a:fld id="{5BCAD085-E8A6-8845-BD4E-CB4CCA059FC4}" type="datetimeFigureOut">
               <a:rPr lang="en-US" smtClean="0"/>
-              <a:t>5/7/2023</a:t>
+              <a:t>1/27/13</a:t>
             </a:fld>
             <a:endParaRPr lang="en-US"/>
           </a:p>
@@ -2356,9 +2360,10 @@
           </a:lstStyle>
           <a:p>
             <a:r>
-              <a:rPr lang="en-US"/>
+              <a:rPr lang="en-US" smtClean="0"/>
               <a:t>Click to edit Master title style</a:t>
             </a:r>
+            <a:endParaRPr lang="en-US"/>
           </a:p>
         </p:txBody>
       </p:sp>
@@ -2482,7 +2487,7 @@
           <a:p>
             <a:pPr lvl="0"/>
             <a:r>
-              <a:rPr lang="en-US"/>
+              <a:rPr lang="en-US" smtClean="0"/>
               <a:t>Click to edit Master text styles</a:t>
             </a:r>
           </a:p>
@@ -2505,7 +2510,7 @@
           <a:p>
             <a:fld id="{5BCAD085-E8A6-8845-BD4E-CB4CCA059FC4}" type="datetimeFigureOut">
               <a:rPr lang="en-US" smtClean="0"/>
-              <a:t>5/7/2023</a:t>
+              <a:t>1/27/13</a:t>
             </a:fld>
             <a:endParaRPr lang="en-US"/>
           </a:p>
@@ -2614,9 +2619,10 @@
           <a:lstStyle/>
           <a:p>
             <a:r>
-              <a:rPr lang="en-US"/>
+              <a:rPr lang="en-US" smtClean="0"/>
               <a:t>Click to edit Master title style</a:t>
             </a:r>
+            <a:endParaRPr lang="en-US"/>
           </a:p>
         </p:txBody>
       </p:sp>
@@ -2647,37 +2653,38 @@
           <a:p>
             <a:pPr lvl="0"/>
             <a:r>
-              <a:rPr lang="en-US"/>
+              <a:rPr lang="en-US" smtClean="0"/>
               <a:t>Click to edit Master text styles</a:t>
             </a:r>
           </a:p>
           <a:p>
             <a:pPr lvl="1"/>
             <a:r>
-              <a:rPr lang="en-US"/>
+              <a:rPr lang="en-US" smtClean="0"/>
               <a:t>Second level</a:t>
             </a:r>
           </a:p>
           <a:p>
             <a:pPr lvl="2"/>
             <a:r>
-              <a:rPr lang="en-US"/>
+              <a:rPr lang="en-US" smtClean="0"/>
               <a:t>Third level</a:t>
             </a:r>
           </a:p>
           <a:p>
             <a:pPr lvl="3"/>
             <a:r>
-              <a:rPr lang="en-US"/>
+              <a:rPr lang="en-US" smtClean="0"/>
               <a:t>Fourth level</a:t>
             </a:r>
           </a:p>
           <a:p>
             <a:pPr lvl="4"/>
             <a:r>
-              <a:rPr lang="en-US"/>
+              <a:rPr lang="en-US" smtClean="0"/>
               <a:t>Fifth level</a:t>
             </a:r>
+            <a:endParaRPr lang="en-US"/>
           </a:p>
         </p:txBody>
       </p:sp>
@@ -2716,7 +2723,7 @@
           <a:p>
             <a:fld id="{5BCAD085-E8A6-8845-BD4E-CB4CCA059FC4}" type="datetimeFigureOut">
               <a:rPr lang="en-US" smtClean="0"/>
-              <a:t>5/7/2023</a:t>
+              <a:t>1/27/13</a:t>
             </a:fld>
             <a:endParaRPr lang="en-US"/>
           </a:p>
@@ -3075,7 +3082,7 @@
 </file>
 
 <file path=ppt/slides/slide1.xml><?xml version="1.0" encoding="utf-8"?>
-<p:sld xmlns:a="http://schemas.openxmlformats.org/drawingml/2006/main" xmlns:r="http://schemas.openxmlformats.org/officeDocument/2006/relationships" xmlns:p="http://schemas.openxmlformats.org/presentationml/2006/main">
+<p:sld xmlns:a="http://schemas.openxmlformats.org/drawingml/2006/main" xmlns:p="http://schemas.openxmlformats.org/presentationml/2006/main" xmlns:r="http://schemas.openxmlformats.org/officeDocument/2006/relationships">
   <p:cSld>
     <p:spTree>
       <p:nvGrpSpPr>
@@ -3083,14 +3090,7 @@
         <p:cNvGrpSpPr/>
         <p:nvPr/>
       </p:nvGrpSpPr>
-      <p:grpSpPr>
-        <a:xfrm>
-          <a:off x="0" y="0"/>
-          <a:ext cx="0" cy="0"/>
-          <a:chOff x="0" y="0"/>
-          <a:chExt cx="0" cy="0"/>
-        </a:xfrm>
-      </p:grpSpPr>
+      <p:grpSpPr/>
       <p:sp>
         <p:nvSpPr>
           <p:cNvPr id="2" name="Title 1"/>
@@ -3112,7 +3112,7 @@
               </a:defRPr>
             </a:pPr>
             <a:r>
-              <a:t>Visual Perception</a:t>
+              <a:t>Developing Sustainable Water Management System for the Ganges River in Prayagraj</a:t>
             </a:r>
           </a:p>
         </p:txBody>
@@ -3137,7 +3137,6 @@
                 <a:latin typeface="Arial"/>
               </a:defRPr>
             </a:pPr>
-            <a:endParaRPr/>
           </a:p>
           <a:p>
             <a:pPr>
@@ -3146,7 +3145,7 @@
               </a:defRPr>
             </a:pPr>
             <a:r>
-              <a:t>1. Visual perception is the ability to interpret and make sense of information seen through the eyes.</a:t>
+              <a:t>1. The Ganges River in Prayagraj faces significant challenges in water management.</a:t>
             </a:r>
           </a:p>
           <a:p>
@@ -3156,7 +3155,7 @@
               </a:defRPr>
             </a:pPr>
             <a:r>
-              <a:t>2. It involves several processes, including recognizing shapes and patterns, depth perception, and color perception.</a:t>
+              <a:t>2. Poor water quality due to high levels of pollutants and salinity was reported by the participants.</a:t>
             </a:r>
           </a:p>
           <a:p>
@@ -3166,7 +3165,7 @@
               </a:defRPr>
             </a:pPr>
             <a:r>
-              <a:t>3. Perception occurs in the brain, where information from the eyes is processed and interpreted.</a:t>
+              <a:t>3. Inefficient water usage and wastage due to leaks, evaporation, were reported as prevailing practices.</a:t>
             </a:r>
           </a:p>
           <a:p>
@@ -3176,7 +3175,7 @@
               </a:defRPr>
             </a:pPr>
             <a:r>
-              <a:t>4. Visual perception can be influenced by factors such as attention, context, and previous experiences.</a:t>
+              <a:t>4. Lack of proper infrastructure like wells, reservoirs, and pipelines further aggravated the situation.</a:t>
             </a:r>
           </a:p>
           <a:p>
@@ -3186,7 +3185,7 @@
               </a:defRPr>
             </a:pPr>
             <a:r>
-              <a:t>5. Understanding visual perception is important in areas such as art, design, and psychology.</a:t>
+              <a:t>5. The report aims to suggest potential solutions to improve the water management system in the area, particularly for the Ganges River and its tributaries. Artificial Intelligence and Machine Learning will be used to develop a sustainable approach to manage water more efficiently.</a:t>
             </a:r>
           </a:p>
         </p:txBody>
@@ -3200,7 +3199,7 @@
 </file>
 
 <file path=ppt/slides/slide2.xml><?xml version="1.0" encoding="utf-8"?>
-<p:sld xmlns:a="http://schemas.openxmlformats.org/drawingml/2006/main" xmlns:r="http://schemas.openxmlformats.org/officeDocument/2006/relationships" xmlns:p="http://schemas.openxmlformats.org/presentationml/2006/main">
+<p:sld xmlns:a="http://schemas.openxmlformats.org/drawingml/2006/main" xmlns:p="http://schemas.openxmlformats.org/presentationml/2006/main" xmlns:r="http://schemas.openxmlformats.org/officeDocument/2006/relationships">
   <p:cSld>
     <p:spTree>
       <p:nvGrpSpPr>
@@ -3208,14 +3207,49 @@
         <p:cNvGrpSpPr/>
         <p:nvPr/>
       </p:nvGrpSpPr>
-      <p:grpSpPr>
-        <a:xfrm>
-          <a:off x="0" y="0"/>
-          <a:ext cx="0" cy="0"/>
-          <a:chOff x="0" y="0"/>
-          <a:chExt cx="0" cy="0"/>
-        </a:xfrm>
-      </p:grpSpPr>
+      <p:grpSpPr/>
+      <p:pic>
+        <p:nvPicPr>
+          <p:cNvPr id="2" name="Picture 1" descr="IN-Gangainfopart1.jpg"/>
+          <p:cNvPicPr>
+            <a:picLocks noChangeAspect="1"/>
+          </p:cNvPicPr>
+          <p:nvPr/>
+        </p:nvPicPr>
+        <p:blipFill>
+          <a:blip r:embed="rId2"/>
+          <a:stretch>
+            <a:fillRect/>
+          </a:stretch>
+        </p:blipFill>
+        <p:spPr>
+          <a:xfrm>
+            <a:off x="1828800" y="914400"/>
+            <a:ext cx="4572000" cy="4572000"/>
+          </a:xfrm>
+          <a:prstGeom prst="rect">
+            <a:avLst/>
+          </a:prstGeom>
+        </p:spPr>
+      </p:pic>
+    </p:spTree>
+  </p:cSld>
+  <p:clrMapOvr>
+    <a:masterClrMapping/>
+  </p:clrMapOvr>
+</p:sld>
+</file>
+
+<file path=ppt/slides/slide3.xml><?xml version="1.0" encoding="utf-8"?>
+<p:sld xmlns:a="http://schemas.openxmlformats.org/drawingml/2006/main" xmlns:p="http://schemas.openxmlformats.org/presentationml/2006/main" xmlns:r="http://schemas.openxmlformats.org/officeDocument/2006/relationships">
+  <p:cSld>
+    <p:spTree>
+      <p:nvGrpSpPr>
+        <p:cNvPr id="1" name=""/>
+        <p:cNvGrpSpPr/>
+        <p:nvPr/>
+      </p:nvGrpSpPr>
+      <p:grpSpPr/>
       <p:sp>
         <p:nvSpPr>
           <p:cNvPr id="2" name="Title 1"/>
@@ -3237,7 +3271,7 @@
               </a:defRPr>
             </a:pPr>
             <a:r>
-              <a:t>Perception of Depth in Humans</a:t>
+              <a:t>Water Management Strategies.</a:t>
             </a:r>
           </a:p>
         </p:txBody>
@@ -3256,15 +3290,6 @@
         <p:txBody>
           <a:bodyPr/>
           <a:lstStyle/>
-          <a:p>
-            <a:pPr marL="0" indent="0">
-              <a:buNone/>
-              <a:defRPr sz="1600" b="0" i="0">
-                <a:latin typeface="Arial"/>
-              </a:defRPr>
-            </a:pPr>
-            <a:endParaRPr dirty="0"/>
-          </a:p>
           <a:p>
             <a:pPr>
               <a:defRPr sz="1600" b="0" i="0">
@@ -3272,8 +3297,7 @@
               </a:defRPr>
             </a:pPr>
             <a:r>
-              <a:rPr dirty="0"/>
-              <a:t>1. Humans can perceive distance information through ordinal and metric cues.</a:t>
+              <a:t> </a:t>
             </a:r>
           </a:p>
           <a:p>
@@ -3283,8 +3307,7 @@
               </a:defRPr>
             </a:pPr>
             <a:r>
-              <a:rPr dirty="0"/>
-              <a:t>2. Ordinal cues involve the relative arrangement of visible objects while metric cues provide an estimate of absolute distance.</a:t>
+              <a:t>1. Implementing technology like remote sensing and data analysis for real-time information on water availability, usage and quality. </a:t>
             </a:r>
           </a:p>
           <a:p>
@@ -3293,10 +3316,6 @@
                 <a:latin typeface="Arial"/>
               </a:defRPr>
             </a:pPr>
-            <a:r>
-              <a:rPr dirty="0"/>
-              <a:t>3. Perception of depth is based on visual cues that allow the brain to infer distance.</a:t>
-            </a:r>
           </a:p>
           <a:p>
             <a:pPr>
@@ -3305,8 +3324,7 @@
               </a:defRPr>
             </a:pPr>
             <a:r>
-              <a:rPr dirty="0"/>
-              <a:t>4. Visual cues can include overlap, size, texture gradient, perspective, and shading.</a:t>
+              <a:t>2. Encourage collaboration between government, NGOs, and private sector organizations to address the challenges of water management. </a:t>
             </a:r>
           </a:p>
           <a:p>
@@ -3315,13 +3333,95 @@
                 <a:latin typeface="Arial"/>
               </a:defRPr>
             </a:pPr>
-            <a:r>
-              <a:rPr dirty="0"/>
-              <a:t>5. When objects appear to overlap or be partially obscured, the brain interprets them as being closer.</a:t>
-            </a:r>
-          </a:p>
-        </p:txBody>
-      </p:sp>
+          </a:p>
+          <a:p>
+            <a:pPr>
+              <a:defRPr sz="1600" b="0" i="0">
+                <a:latin typeface="Arial"/>
+              </a:defRPr>
+            </a:pPr>
+            <a:r>
+              <a:t>3. Engage local communities in water management decisions by creating community-based water management committees. </a:t>
+            </a:r>
+          </a:p>
+          <a:p>
+            <a:pPr>
+              <a:defRPr sz="1600" b="0" i="0">
+                <a:latin typeface="Arial"/>
+              </a:defRPr>
+            </a:pPr>
+          </a:p>
+          <a:p>
+            <a:pPr>
+              <a:defRPr sz="1600" b="0" i="0">
+                <a:latin typeface="Arial"/>
+              </a:defRPr>
+            </a:pPr>
+            <a:r>
+              <a:t>4. Improving the efficiency of water usage, investing in infrastructure upgrades, and improving water quality. </a:t>
+            </a:r>
+          </a:p>
+          <a:p>
+            <a:pPr>
+              <a:defRPr sz="1600" b="0" i="0">
+                <a:latin typeface="Arial"/>
+              </a:defRPr>
+            </a:pPr>
+          </a:p>
+          <a:p>
+            <a:pPr>
+              <a:defRPr sz="1600" b="0" i="0">
+                <a:latin typeface="Arial"/>
+              </a:defRPr>
+            </a:pPr>
+            <a:r>
+              <a:t>5. Foster community-based initiatives like water-saving projects to build local capacity and drive sustainable water management practices.</a:t>
+            </a:r>
+          </a:p>
+        </p:txBody>
+      </p:sp>
+    </p:spTree>
+  </p:cSld>
+  <p:clrMapOvr>
+    <a:masterClrMapping/>
+  </p:clrMapOvr>
+</p:sld>
+</file>
+
+<file path=ppt/slides/slide4.xml><?xml version="1.0" encoding="utf-8"?>
+<p:sld xmlns:a="http://schemas.openxmlformats.org/drawingml/2006/main" xmlns:p="http://schemas.openxmlformats.org/presentationml/2006/main" xmlns:r="http://schemas.openxmlformats.org/officeDocument/2006/relationships">
+  <p:cSld>
+    <p:spTree>
+      <p:nvGrpSpPr>
+        <p:cNvPr id="1" name=""/>
+        <p:cNvGrpSpPr/>
+        <p:nvPr/>
+      </p:nvGrpSpPr>
+      <p:grpSpPr/>
+      <p:pic>
+        <p:nvPicPr>
+          <p:cNvPr id="2" name="Picture 1" descr="Water-Management-Strategies.png"/>
+          <p:cNvPicPr>
+            <a:picLocks noChangeAspect="1"/>
+          </p:cNvPicPr>
+          <p:nvPr/>
+        </p:nvPicPr>
+        <p:blipFill>
+          <a:blip r:embed="rId2"/>
+          <a:stretch>
+            <a:fillRect/>
+          </a:stretch>
+        </p:blipFill>
+        <p:spPr>
+          <a:xfrm>
+            <a:off x="1828800" y="914400"/>
+            <a:ext cx="4572000" cy="4572000"/>
+          </a:xfrm>
+          <a:prstGeom prst="rect">
+            <a:avLst/>
+          </a:prstGeom>
+        </p:spPr>
+      </p:pic>
     </p:spTree>
   </p:cSld>
   <p:clrMapOvr>

--- a/PPT.pptx
+++ b/PPT.pptx
@@ -3114,7 +3114,7 @@
               </a:defRPr>
             </a:pPr>
             <a:r>
-              <a:t>Visual Perception</a:t>
+              <a:t>Machine Learning Revolution in the Technology Industry</a:t>
             </a:r>
           </a:p>
         </p:txBody>
@@ -3140,7 +3140,7 @@
               </a:defRPr>
             </a:pPr>
             <a:r>
-              <a:t>Visual perception is the process by which the brain interprets the information gathered by the eyes and gives it meaning.</a:t>
+              <a:t>Machine Learning has become a prominent technology in today's high-tech products.</a:t>
             </a:r>
           </a:p>
           <a:p>
@@ -3150,7 +3150,7 @@
               </a:defRPr>
             </a:pPr>
             <a:r>
-              <a:t>It involves the complex interplay between the eyes, the brain, and the environment.</a:t>
+              <a:t>Deep Learning has revolutionized the scientific community's perspective on ML techniques with its mind-blowing achievements.</a:t>
             </a:r>
           </a:p>
           <a:p>
@@ -3160,7 +3160,7 @@
               </a:defRPr>
             </a:pPr>
             <a:r>
-              <a:t>The different aspects of visual perception include depth perception, color perception, pattern recognition, visual memory, and visual attention.</a:t>
+              <a:t>The 2006 publication of how to train a deep neural network by Geoffrey Hinton et al. marked the beginning of the Machine Learning Tsunami.</a:t>
             </a:r>
           </a:p>
           <a:p>
@@ -3170,7 +3170,7 @@
               </a:defRPr>
             </a:pPr>
             <a:r>
-              <a:t>Visual illusions are a fascinating aspect of visual perception that demonstrate the brain's ability to interpret visual cues in unexpected ways.</a:t>
+              <a:t>Yann Lecun's deep convolutional neural networks pioneered the image recognition field since the 1990s.</a:t>
             </a:r>
           </a:p>
           <a:p>
@@ -3180,7 +3180,7 @@
               </a:defRPr>
             </a:pPr>
             <a:r>
-              <a:t>Deficits in visual perception, such as color blindness and visual agnosia, can have significant impacts on a person's daily life.</a:t>
+              <a:t>There is an increasing demand for experts in Machine Learning to join the industry.</a:t>
             </a:r>
           </a:p>
         </p:txBody>
@@ -3205,7 +3205,7 @@
       <p:grpSpPr/>
       <p:pic>
         <p:nvPicPr>
-          <p:cNvPr id="2" name="Picture 1" descr="maxresdefault.jpg"/>
+          <p:cNvPr id="2" name="Picture 1" descr="220px-AI-ML-DL.svg.png"/>
           <p:cNvPicPr>
             <a:picLocks noChangeAspect="1"/>
           </p:cNvPicPr>
@@ -3266,7 +3266,7 @@
               </a:defRPr>
             </a:pPr>
             <a:r>
-              <a:t>Perception of Depth in Visual Processing,</a:t>
+              <a:t>Introduction to Machine Learning Frameworks.</a:t>
             </a:r>
           </a:p>
         </p:txBody>
@@ -3292,7 +3292,7 @@
               </a:defRPr>
             </a:pPr>
             <a:r>
-              <a:t>Perception of depth in visual processing can be done through ordinal distance information and metric distance perception.</a:t>
+              <a:t>Scikit-Learn is an efficient and easy-to-use Python framework for implementing Machine Learning algorithms.</a:t>
             </a:r>
           </a:p>
           <a:p>
@@ -3302,7 +3302,7 @@
               </a:defRPr>
             </a:pPr>
             <a:r>
-              <a:t>Ordinal distance perception involves inferring the relative arrangement of visible objects to estimate depth perception.</a:t>
+              <a:t>The book covers various Machine Learning techniques, including the popular linear regression and some of the Deep Learning techniques.</a:t>
             </a:r>
           </a:p>
           <a:p>
@@ -3312,7 +3312,7 @@
               </a:defRPr>
             </a:pPr>
             <a:r>
-              <a:t>Metric distance perception provides a more accurate estimate of absolute distance for judging the distance between your eyes and objects in the environment.</a:t>
+              <a:t>You can apply Machine Learning to vast amount of data and discover hidden patterns, such as segmenting customers, detecting fraud, and recommending products.</a:t>
             </a:r>
           </a:p>
           <a:p>
@@ -3322,7 +3322,7 @@
               </a:defRPr>
             </a:pPr>
             <a:r>
-              <a:t>Perception of depth can occur through the occlusion of objects, where they appear closer if blocking a view of a farther object.</a:t>
+              <a:t>The book focuses on hands-on learning through practical examples and minimal theory.</a:t>
             </a:r>
           </a:p>
           <a:p>
@@ -3332,7 +3332,7 @@
               </a:defRPr>
             </a:pPr>
             <a:r>
-              <a:t>Through distance cues such as height in the visual field and binocular disparities, humans can accurately perceive the range of distances in the real world.</a:t>
+              <a:t>Distributed computations across multi-GPU servers enable the training and implementation of massive neural networks.</a:t>
             </a:r>
           </a:p>
         </p:txBody>
@@ -3357,7 +3357,7 @@
       <p:grpSpPr/>
       <p:pic>
         <p:nvPicPr>
-          <p:cNvPr id="2" name="Picture 1" descr="The_Brain_and_Visual_Processing_-_Occipital_Lobe_Infographic.png"/>
+          <p:cNvPr id="2" name="Picture 1" descr="41598_2020_67546_Fig1_HTML.png"/>
           <p:cNvPicPr>
             <a:picLocks noChangeAspect="1"/>
           </p:cNvPicPr>
@@ -3418,7 +3418,7 @@
               </a:defRPr>
             </a:pPr>
             <a:r>
-              <a:t>Monocular vs. Stereo Cues for Perception</a:t>
+              <a:t>Fundamentals of Machine Learning and Prerequisites</a:t>
             </a:r>
           </a:p>
         </p:txBody>
@@ -3444,7 +3444,7 @@
               </a:defRPr>
             </a:pPr>
             <a:r>
-              <a:t>A sensory cue is a piece of information derived from sensory stimulation that is useful for perception</a:t>
+              <a:t>Understanding college-level math is essential for those who want to understand the inner workings of machine learning.</a:t>
             </a:r>
           </a:p>
           <a:p>
@@ -3454,7 +3454,7 @@
               </a:defRPr>
             </a:pPr>
             <a:r>
-              <a:t>Depth cues obtained from photoreceptors or single eye movements are called monocular depth cues</a:t>
+              <a:t>Machine learning faces challenges such as underfitting and overfitting.</a:t>
             </a:r>
           </a:p>
           <a:p>
@@ -3464,7 +3464,7 @@
               </a:defRPr>
             </a:pPr>
             <a:r>
-              <a:t>Monocular cues are more abundant than stereo cues and can be used to extract depth information from a single photograph</a:t>
+              <a:t>Part I of the book covers the fundamentals of Machine Learning.</a:t>
             </a:r>
           </a:p>
           <a:p>
@@ -3474,7 +3474,7 @@
               </a:defRPr>
             </a:pPr>
             <a:r>
-              <a:t>Stereo depth cues require both eyes and involve the perception of depth through slight differences between the images the two eyes receive</a:t>
+              <a:t>The book assumes that readers have prior Python programming experience.</a:t>
             </a:r>
           </a:p>
           <a:p>
@@ -3484,7 +3484,7 @@
               </a:defRPr>
             </a:pPr>
             <a:r>
-              <a:t>Both monocular and stereo cues are used by humans and computer vision algorithms to perceive depth in the environment.</a:t>
+              <a:t>Familiarity with NumPy, Pandas, and Matplotlib, which are Python's main scientific libraries, is required.</a:t>
             </a:r>
           </a:p>
         </p:txBody>
@@ -3509,7 +3509,7 @@
       <p:grpSpPr/>
       <p:pic>
         <p:nvPicPr>
-          <p:cNvPr id="2" name="Picture 1" descr="img505.gif"/>
+          <p:cNvPr id="2" name="Picture 1" descr="hannah_fried.jpg"/>
           <p:cNvPicPr>
             <a:picLocks noChangeAspect="1"/>
           </p:cNvPicPr>

--- a/PPT.pptx
+++ b/PPT.pptx
@@ -3114,7 +3114,7 @@
               </a:defRPr>
             </a:pPr>
             <a:r>
-              <a:t>Machine Learning Revolution in the Technology Industry</a:t>
+              <a:t>Background Subtraction for Vision-Based Applications,</a:t>
             </a:r>
           </a:p>
         </p:txBody>
@@ -3135,52 +3135,52 @@
           <a:lstStyle/>
           <a:p>
             <a:pPr>
-              <a:defRPr sz="1600" b="0" i="0">
+              <a:defRPr sz="2000" b="0" i="0">
                 <a:latin typeface="Arial"/>
               </a:defRPr>
             </a:pPr>
             <a:r>
-              <a:t>Machine Learning has become a prominent technology in today's high-tech products.</a:t>
+              <a:t>Background subtraction is an essential preprocessing step for vision-based applications.</a:t>
             </a:r>
           </a:p>
           <a:p>
             <a:pPr>
-              <a:defRPr sz="1600" b="0" i="0">
+              <a:defRPr sz="2000" b="0" i="0">
                 <a:latin typeface="Arial"/>
               </a:defRPr>
             </a:pPr>
             <a:r>
-              <a:t>Deep Learning has revolutionized the scientific community's perspective on ML techniques with its mind-blowing achievements.</a:t>
+              <a:t>It involves extracting the moving foreground from the static background in images or videos.</a:t>
             </a:r>
           </a:p>
           <a:p>
             <a:pPr>
-              <a:defRPr sz="1600" b="0" i="0">
+              <a:defRPr sz="2000" b="0" i="0">
                 <a:latin typeface="Arial"/>
               </a:defRPr>
             </a:pPr>
             <a:r>
-              <a:t>The 2006 publication of how to train a deep neural network by Geoffrey Hinton et al. marked the beginning of the Machine Learning Tsunami.</a:t>
+              <a:t>Having an image of the background alone makes this process more manageable.</a:t>
             </a:r>
           </a:p>
           <a:p>
             <a:pPr>
-              <a:defRPr sz="1600" b="0" i="0">
+              <a:defRPr sz="2000" b="0" i="0">
                 <a:latin typeface="Arial"/>
               </a:defRPr>
             </a:pPr>
             <a:r>
-              <a:t>Yann Lecun's deep convolutional neural networks pioneered the image recognition field since the 1990s.</a:t>
+              <a:t>However, when you don't have a background image, it becomes a complicated process.</a:t>
             </a:r>
           </a:p>
           <a:p>
             <a:pPr>
-              <a:defRPr sz="1600" b="0" i="0">
+              <a:defRPr sz="2000" b="0" i="0">
                 <a:latin typeface="Arial"/>
               </a:defRPr>
             </a:pPr>
             <a:r>
-              <a:t>There is an increasing demand for experts in Machine Learning to join the industry.</a:t>
+              <a:t>Shadows of moving objects in the foreground can complicate the process further, as they could be marked as foreground.</a:t>
             </a:r>
           </a:p>
         </p:txBody>
@@ -3205,7 +3205,7 @@
       <p:grpSpPr/>
       <p:pic>
         <p:nvPicPr>
-          <p:cNvPr id="2" name="Picture 1" descr="220px-AI-ML-DL.svg.png"/>
+          <p:cNvPr id="2" name="Picture 1" descr="eyJ1cmkiOiJodHRwczovL3MzLWV1LXdlc3QtMS5hbWF6b25hd3MuY29tL3N0YWNrYWRlbWljL3Byb2R1Y3Rpb24vcGFwZXIvNTIxOTgzMi5wbmciLCJmb3JtYXQiOiJ3ZWJwIiwicXVhbGl0eSI6MTAwLCJub0NhY2hlIjp0cnVlfQ==.webp"/>
           <p:cNvPicPr>
             <a:picLocks noChangeAspect="1"/>
           </p:cNvPicPr>
@@ -3266,7 +3266,7 @@
               </a:defRPr>
             </a:pPr>
             <a:r>
-              <a:t>Introduction to Machine Learning Frameworks.</a:t>
+              <a:t>Background Subtraction in computer vision</a:t>
             </a:r>
           </a:p>
         </p:txBody>
@@ -3287,52 +3287,52 @@
           <a:lstStyle/>
           <a:p>
             <a:pPr>
-              <a:defRPr sz="1600" b="0" i="0">
+              <a:defRPr sz="2000" b="0" i="0">
                 <a:latin typeface="Arial"/>
               </a:defRPr>
             </a:pPr>
             <a:r>
-              <a:t>Scikit-Learn is an efficient and easy-to-use Python framework for implementing Machine Learning algorithms.</a:t>
+              <a:t>Background subtraction is a commonly used technique for detecting moving objects in a scene.</a:t>
             </a:r>
           </a:p>
           <a:p>
             <a:pPr>
-              <a:defRPr sz="1600" b="0" i="0">
+              <a:defRPr sz="2000" b="0" i="0">
                 <a:latin typeface="Arial"/>
               </a:defRPr>
             </a:pPr>
             <a:r>
-              <a:t>The book covers various Machine Learning techniques, including the popular linear regression and some of the Deep Learning techniques.</a:t>
+              <a:t>It uses a static camera to generate a foreground mask or binary image that only contains pixels of moving objects.</a:t>
             </a:r>
           </a:p>
           <a:p>
             <a:pPr>
-              <a:defRPr sz="1600" b="0" i="0">
+              <a:defRPr sz="2000" b="0" i="0">
                 <a:latin typeface="Arial"/>
               </a:defRPr>
             </a:pPr>
             <a:r>
-              <a:t>You can apply Machine Learning to vast amount of data and discover hidden patterns, such as segmenting customers, detecting fraud, and recommending products.</a:t>
+              <a:t>The method involves subtracting the current frame from background models to identify the static part of a scene.</a:t>
             </a:r>
           </a:p>
           <a:p>
             <a:pPr>
-              <a:defRPr sz="1600" b="0" i="0">
+              <a:defRPr sz="2000" b="0" i="0">
                 <a:latin typeface="Arial"/>
               </a:defRPr>
             </a:pPr>
             <a:r>
-              <a:t>The book focuses on hands-on learning through practical examples and minimal theory.</a:t>
+              <a:t>The background model consists of everything that is considered to be part of the background based on the characteristics of the observed scene.</a:t>
             </a:r>
           </a:p>
           <a:p>
             <a:pPr>
-              <a:defRPr sz="1600" b="0" i="0">
+              <a:defRPr sz="2000" b="0" i="0">
                 <a:latin typeface="Arial"/>
               </a:defRPr>
             </a:pPr>
             <a:r>
-              <a:t>Distributed computations across multi-GPU servers enable the training and implementation of massive neural networks.</a:t>
+              <a:t>Background subtraction is widely used in various computer vision applications, including object tracking, surveillance, and video analysis.</a:t>
             </a:r>
           </a:p>
         </p:txBody>
@@ -3357,7 +3357,7 @@
       <p:grpSpPr/>
       <p:pic>
         <p:nvPicPr>
-          <p:cNvPr id="2" name="Picture 1" descr="41598_2020_67546_Fig1_HTML.png"/>
+          <p:cNvPr id="2" name="Picture 1" descr="3-s2.0-B9780123746337000173-f15-03-9780123746337.jpg"/>
           <p:cNvPicPr>
             <a:picLocks noChangeAspect="1"/>
           </p:cNvPicPr>
@@ -3418,7 +3418,7 @@
               </a:defRPr>
             </a:pPr>
             <a:r>
-              <a:t>Fundamentals of Machine Learning and Prerequisites</a:t>
+              <a:t>Background Subtraction for Moving Objects Detection,</a:t>
             </a:r>
           </a:p>
         </p:txBody>
@@ -3439,52 +3439,52 @@
           <a:lstStyle/>
           <a:p>
             <a:pPr>
-              <a:defRPr sz="1600" b="0" i="0">
+              <a:defRPr sz="2000" b="0" i="0">
                 <a:latin typeface="Arial"/>
               </a:defRPr>
             </a:pPr>
             <a:r>
-              <a:t>Understanding college-level math is essential for those who want to understand the inner workings of machine learning.</a:t>
+              <a:t>Moving average should effectively track the changes in the background, to detectmoving objects in image or video.</a:t>
             </a:r>
           </a:p>
           <a:p>
             <a:pPr>
-              <a:defRPr sz="1600" b="0" i="0">
+              <a:defRPr sz="2000" b="0" i="0">
                 <a:latin typeface="Arial"/>
               </a:defRPr>
             </a:pPr>
             <a:r>
-              <a:t>Machine learning faces challenges such as underfitting and overfitting.</a:t>
+              <a:t>Obtaining a good estimate of the background is the primary issue in background subtraction.</a:t>
             </a:r>
           </a:p>
           <a:p>
             <a:pPr>
-              <a:defRPr sz="1600" b="0" i="0">
+              <a:defRPr sz="2000" b="0" i="0">
                 <a:latin typeface="Arial"/>
               </a:defRPr>
             </a:pPr>
             <a:r>
-              <a:t>Part I of the book covers the fundamentals of Machine Learning.</a:t>
+              <a:t>The approach of estimating the background pixel value using a moving average is effective.</a:t>
             </a:r>
           </a:p>
           <a:p>
             <a:pPr>
-              <a:defRPr sz="1600" b="0" i="0">
+              <a:defRPr sz="2000" b="0" i="0">
                 <a:latin typeface="Arial"/>
               </a:defRPr>
             </a:pPr>
             <a:r>
-              <a:t>The book assumes that readers have prior Python programming experience.</a:t>
+              <a:t>In this approach, previous values of the pixel are weighted in the average to consider gradual changes in the background.</a:t>
             </a:r>
           </a:p>
           <a:p>
             <a:pPr>
-              <a:defRPr sz="1600" b="0" i="0">
+              <a:defRPr sz="2000" b="0" i="0">
                 <a:latin typeface="Arial"/>
               </a:defRPr>
             </a:pPr>
             <a:r>
-              <a:t>Familiarity with NumPy, Pandas, and Matplotlib, which are Python's main scientific libraries, is required.</a:t>
+              <a:t>Environmental changes like weather, movement of objects, etc. affect the background and need to be considered for accurate movement detection.</a:t>
             </a:r>
           </a:p>
         </p:txBody>
@@ -3509,7 +3509,7 @@
       <p:grpSpPr/>
       <p:pic>
         <p:nvPicPr>
-          <p:cNvPr id="2" name="Picture 1" descr="hannah_fried.jpg"/>
+          <p:cNvPr id="2" name="Picture 1" descr="321700_1_En_3_Fig1_HTML.gif"/>
           <p:cNvPicPr>
             <a:picLocks noChangeAspect="1"/>
           </p:cNvPicPr>
